--- a/doc/survival lecture 6.pptx
+++ b/doc/survival lecture 6.pptx
@@ -374,7 +374,7 @@
               <a:pPr>
                 <a:defRPr/>
               </a:pPr>
-              <a:t>6/11/2018</a:t>
+              <a:t>10/21/2018</a:t>
             </a:fld>
             <a:endParaRPr lang="en-US" altLang="en-US"/>
           </a:p>
@@ -682,7 +682,7 @@
               <a:pPr>
                 <a:defRPr/>
               </a:pPr>
-              <a:t>6/11/2018</a:t>
+              <a:t>10/21/2018</a:t>
             </a:fld>
             <a:endParaRPr lang="en-US" altLang="en-US"/>
           </a:p>
@@ -7400,7 +7400,7 @@
             </a:pPr>
             <a:r>
               <a:rPr lang="en-US" sz="1800" dirty="0"/>
-              <a:t>Fit time varying covariates</a:t>
+              <a:t>Stratified analysis</a:t>
             </a:r>
           </a:p>
           <a:p>
@@ -7408,17 +7408,17 @@
               <a:buFont typeface="+mj-lt"/>
               <a:buAutoNum type="arabicPeriod"/>
             </a:pPr>
+            <a:r>
+              <a:rPr lang="en-US" sz="1800" dirty="0"/>
+              <a:t>Fit time varying covariates</a:t>
+            </a:r>
+          </a:p>
+          <a:p>
+            <a:pPr marL="342900" indent="-342900">
+              <a:buFont typeface="+mj-lt"/>
+              <a:buAutoNum type="arabicPeriod"/>
+            </a:pPr>
             <a:endParaRPr lang="en-US" sz="1800" dirty="0"/>
-          </a:p>
-          <a:p>
-            <a:r>
-              <a:rPr lang="en-US" sz="1800" dirty="0"/>
-              <a:t>Save this for another day</a:t>
-            </a:r>
-            <a:endParaRPr lang="en-US" sz="1800" b="1" dirty="0">
-              <a:latin typeface="Courier New" panose="02070309020205020404" pitchFamily="49" charset="0"/>
-              <a:cs typeface="Courier New" panose="02070309020205020404" pitchFamily="49" charset="0"/>
-            </a:endParaRPr>
           </a:p>
         </p:txBody>
       </p:sp>
@@ -11473,17 +11473,37 @@
           <a:bodyPr/>
           <a:lstStyle/>
           <a:p>
+            <a:pPr marL="342900" indent="-342900">
+              <a:buFont typeface="+mj-lt"/>
+              <a:buAutoNum type="arabicPeriod"/>
+            </a:pPr>
+            <a:r>
+              <a:rPr lang="en-US" dirty="0">
+                <a:latin typeface="+mj-lt"/>
+                <a:cs typeface="Courier New" panose="02070309020205020404" pitchFamily="49" charset="0"/>
+              </a:rPr>
+              <a:t>There are several ways to check for/control for time varying covariates: p</a:t>
+            </a:r>
+            <a:r>
+              <a:rPr lang="en-US" dirty="0"/>
+              <a:t>atterns in Kaplan-Meier curves, the complementary log-log plot, Schoenfeld Residuals, stratified analysis, and fitting time varying covariates.</a:t>
+            </a:r>
+          </a:p>
+          <a:p>
+            <a:pPr marL="342900" indent="-342900">
+              <a:buFont typeface="+mj-lt"/>
+              <a:buAutoNum type="arabicPeriod"/>
+            </a:pPr>
+            <a:r>
+              <a:rPr lang="en-US" dirty="0"/>
+              <a:t>You can fit time-varying covariates using start/stop coding or a time transfer function.</a:t>
+            </a:r>
+          </a:p>
+          <a:p>
             <a:pPr marL="457200" indent="-457200">
               <a:buFont typeface="+mj-lt"/>
               <a:buAutoNum type="arabicPeriod"/>
             </a:pPr>
-            <a:r>
-              <a:rPr lang="en-US" dirty="0">
-                <a:latin typeface="+mj-lt"/>
-                <a:cs typeface="Courier New" panose="02070309020205020404" pitchFamily="49" charset="0"/>
-              </a:rPr>
-              <a:t>The</a:t>
-            </a:r>
             <a:endParaRPr lang="en-US" dirty="0">
               <a:latin typeface="+mj-lt"/>
             </a:endParaRPr>
